--- a/classes/CIS312/project/outline_final.pptx
+++ b/classes/CIS312/project/outline_final.pptx
@@ -16,16 +16,19 @@
     <p:sldId id="271" r:id="rId10"/>
     <p:sldId id="277" r:id="rId11"/>
     <p:sldId id="278" r:id="rId12"/>
-    <p:sldId id="270" r:id="rId13"/>
-    <p:sldId id="260" r:id="rId14"/>
-    <p:sldId id="263" r:id="rId15"/>
-    <p:sldId id="264" r:id="rId16"/>
-    <p:sldId id="265" r:id="rId17"/>
-    <p:sldId id="266" r:id="rId18"/>
-    <p:sldId id="273" r:id="rId19"/>
-    <p:sldId id="274" r:id="rId20"/>
-    <p:sldId id="275" r:id="rId21"/>
-    <p:sldId id="276" r:id="rId22"/>
+    <p:sldId id="279" r:id="rId13"/>
+    <p:sldId id="280" r:id="rId14"/>
+    <p:sldId id="281" r:id="rId15"/>
+    <p:sldId id="270" r:id="rId16"/>
+    <p:sldId id="260" r:id="rId17"/>
+    <p:sldId id="263" r:id="rId18"/>
+    <p:sldId id="264" r:id="rId19"/>
+    <p:sldId id="265" r:id="rId20"/>
+    <p:sldId id="266" r:id="rId21"/>
+    <p:sldId id="273" r:id="rId22"/>
+    <p:sldId id="274" r:id="rId23"/>
+    <p:sldId id="275" r:id="rId24"/>
+    <p:sldId id="276" r:id="rId25"/>
   </p:sldIdLst>
   <p:sldSz cx="12192000" cy="6858000"/>
   <p:notesSz cx="6858000" cy="9144000"/>
@@ -15861,10 +15864,9 @@
           </a:p>
           <a:p>
             <a:r>
-              <a:rPr lang="en-US"/>
-              <a:t>DRAFT Outline Week 6</a:t>
+              <a:rPr lang="en-US" dirty="0"/>
+              <a:t>Final Outline</a:t>
             </a:r>
-            <a:endParaRPr lang="en-US" dirty="0"/>
           </a:p>
           <a:p>
             <a:r>
@@ -15877,7 +15879,7 @@
             </a:r>
             <a:r>
               <a:rPr lang="en-US" dirty="0"/>
-              <a:t> 3/22/2020</a:t>
+              <a:t> 4/11/2020</a:t>
             </a:r>
           </a:p>
         </p:txBody>
@@ -16031,13 +16033,8 @@
             </a:pPr>
             <a:r>
               <a:rPr lang="en-US" sz="2400" dirty="0"/>
-              <a:t>No anti-virus or </a:t>
+              <a:t>No anti-virus or malware installed.</a:t>
             </a:r>
-            <a:r>
-              <a:rPr lang="en-US" sz="2400"/>
-              <a:t>malware installed.</a:t>
-            </a:r>
-            <a:endParaRPr lang="en-US" sz="2400" dirty="0"/>
           </a:p>
         </p:txBody>
       </p:sp>
@@ -16250,7 +16247,7 @@
           <p:cNvPr id="2" name="Title 1">
             <a:extLst>
               <a:ext uri="{FF2B5EF4-FFF2-40B4-BE49-F238E27FC236}">
-                <a16:creationId xmlns:a16="http://schemas.microsoft.com/office/drawing/2014/main" id="{F41AB03E-EE8F-D64D-9CA4-D30E10EB95B7}"/>
+                <a16:creationId xmlns:a16="http://schemas.microsoft.com/office/drawing/2014/main" id="{4902C97E-0911-F746-ABF4-DAEA7B50CAF4}"/>
               </a:ext>
             </a:extLst>
           </p:cNvPr>
@@ -16268,40 +16265,85 @@
           <a:p>
             <a:r>
               <a:rPr lang="en-US" dirty="0"/>
-              <a:t>Areas of Focus and Recommendations</a:t>
+              <a:t>Sydney</a:t>
+            </a:r>
+            <a:br>
+              <a:rPr lang="en-US" dirty="0"/>
+            </a:br>
+            <a:r>
+              <a:rPr lang="en-US" dirty="0"/>
+              <a:t>Australia</a:t>
             </a:r>
           </a:p>
         </p:txBody>
       </p:sp>
       <p:sp>
         <p:nvSpPr>
-          <p:cNvPr id="3" name="Text Placeholder 2">
+          <p:cNvPr id="5" name="TextBox 4">
             <a:extLst>
               <a:ext uri="{FF2B5EF4-FFF2-40B4-BE49-F238E27FC236}">
-                <a16:creationId xmlns:a16="http://schemas.microsoft.com/office/drawing/2014/main" id="{776EC9E8-49AF-DC4A-8D10-3417DCF78C78}"/>
+                <a16:creationId xmlns:a16="http://schemas.microsoft.com/office/drawing/2014/main" id="{27C25831-5C84-B64F-82E1-11657CC29554}"/>
               </a:ext>
             </a:extLst>
           </p:cNvPr>
-          <p:cNvSpPr>
-            <a:spLocks noGrp="1"/>
-          </p:cNvSpPr>
-          <p:nvPr>
-            <p:ph type="body" idx="1"/>
-          </p:nvPr>
+          <p:cNvSpPr txBox="1"/>
+          <p:nvPr/>
         </p:nvSpPr>
-        <p:spPr/>
+        <p:spPr>
+          <a:xfrm>
+            <a:off x="4933507" y="2274838"/>
+            <a:ext cx="6369861" cy="1938992"/>
+          </a:xfrm>
+          <a:prstGeom prst="rect">
+            <a:avLst/>
+          </a:prstGeom>
+          <a:noFill/>
+        </p:spPr>
         <p:txBody>
-          <a:bodyPr/>
+          <a:bodyPr wrap="square" rtlCol="0">
+            <a:spAutoFit/>
+          </a:bodyPr>
           <a:lstStyle/>
           <a:p>
-            <a:endParaRPr lang="en-US"/>
+            <a:pPr marL="342900" indent="-342900">
+              <a:buFont typeface="Arial" panose="020B0604020202020204" pitchFamily="34" charset="0"/>
+              <a:buChar char="•"/>
+            </a:pPr>
+            <a:r>
+              <a:rPr lang="en-US" sz="2400" dirty="0"/>
+              <a:t>Recent wildfires have created supply chain demand above current capacity </a:t>
+            </a:r>
+          </a:p>
+          <a:p>
+            <a:pPr marL="342900" indent="-342900">
+              <a:buFont typeface="Arial" panose="020B0604020202020204" pitchFamily="34" charset="0"/>
+              <a:buChar char="•"/>
+            </a:pPr>
+            <a:r>
+              <a:rPr lang="en-US" sz="2400" dirty="0"/>
+              <a:t>In country WAN bandwidth subpar</a:t>
+            </a:r>
+          </a:p>
+          <a:p>
+            <a:pPr marL="342900" indent="-342900">
+              <a:buFont typeface="Arial" panose="020B0604020202020204" pitchFamily="34" charset="0"/>
+              <a:buChar char="•"/>
+            </a:pPr>
+            <a:r>
+              <a:rPr lang="en-US" sz="2400" dirty="0" err="1"/>
+              <a:t>Timezone</a:t>
+            </a:r>
+            <a:r>
+              <a:rPr lang="en-US" sz="2400" dirty="0"/>
+              <a:t> and Home Office culture barrier</a:t>
+            </a:r>
           </a:p>
         </p:txBody>
       </p:sp>
     </p:spTree>
     <p:extLst>
       <p:ext uri="{BB962C8B-B14F-4D97-AF65-F5344CB8AC3E}">
-        <p14:creationId xmlns:p14="http://schemas.microsoft.com/office/powerpoint/2010/main" val="2606903314"/>
+        <p14:creationId xmlns:p14="http://schemas.microsoft.com/office/powerpoint/2010/main" val="199309842"/>
       </p:ext>
     </p:extLst>
   </p:cSld>
@@ -16333,7 +16375,7 @@
           <p:cNvPr id="2" name="Title 1">
             <a:extLst>
               <a:ext uri="{FF2B5EF4-FFF2-40B4-BE49-F238E27FC236}">
-                <a16:creationId xmlns:a16="http://schemas.microsoft.com/office/drawing/2014/main" id="{61D32DA8-841D-C341-8345-9340D232D6C3}"/>
+                <a16:creationId xmlns:a16="http://schemas.microsoft.com/office/drawing/2014/main" id="{4902C97E-0911-F746-ABF4-DAEA7B50CAF4}"/>
               </a:ext>
             </a:extLst>
           </p:cNvPr>
@@ -16351,49 +16393,73 @@
           <a:p>
             <a:r>
               <a:rPr lang="en-US" dirty="0"/>
-              <a:t>Security Tech Debt</a:t>
+              <a:t>Tanzania</a:t>
+            </a:r>
+            <a:br>
+              <a:rPr lang="en-US" dirty="0"/>
+            </a:br>
+            <a:r>
+              <a:rPr lang="en-US" dirty="0"/>
+              <a:t>Africa</a:t>
             </a:r>
           </a:p>
         </p:txBody>
       </p:sp>
       <p:sp>
         <p:nvSpPr>
-          <p:cNvPr id="3" name="Content Placeholder 2">
+          <p:cNvPr id="5" name="TextBox 4">
             <a:extLst>
               <a:ext uri="{FF2B5EF4-FFF2-40B4-BE49-F238E27FC236}">
-                <a16:creationId xmlns:a16="http://schemas.microsoft.com/office/drawing/2014/main" id="{EBD69B11-5B9C-394B-98B5-E293C22B9C47}"/>
+                <a16:creationId xmlns:a16="http://schemas.microsoft.com/office/drawing/2014/main" id="{27C25831-5C84-B64F-82E1-11657CC29554}"/>
               </a:ext>
             </a:extLst>
           </p:cNvPr>
-          <p:cNvSpPr>
-            <a:spLocks noGrp="1"/>
-          </p:cNvSpPr>
-          <p:nvPr>
-            <p:ph idx="1"/>
-          </p:nvPr>
+          <p:cNvSpPr txBox="1"/>
+          <p:nvPr/>
         </p:nvSpPr>
-        <p:spPr/>
+        <p:spPr>
+          <a:xfrm>
+            <a:off x="4933507" y="2274838"/>
+            <a:ext cx="6369861" cy="1200329"/>
+          </a:xfrm>
+          <a:prstGeom prst="rect">
+            <a:avLst/>
+          </a:prstGeom>
+          <a:noFill/>
+        </p:spPr>
         <p:txBody>
-          <a:bodyPr>
-            <a:normAutofit/>
+          <a:bodyPr wrap="square" rtlCol="0">
+            <a:spAutoFit/>
           </a:bodyPr>
           <a:lstStyle/>
           <a:p>
+            <a:pPr marL="342900" indent="-342900">
+              <a:buFont typeface="Arial" panose="020B0604020202020204" pitchFamily="34" charset="0"/>
+              <a:buChar char="•"/>
+            </a:pPr>
             <a:r>
               <a:rPr lang="en-US" sz="2400" dirty="0"/>
-              <a:t>CMDB for inventory</a:t>
+              <a:t>Only on-premise compute options</a:t>
             </a:r>
           </a:p>
           <a:p>
+            <a:pPr marL="342900" indent="-342900">
+              <a:buFont typeface="Arial" panose="020B0604020202020204" pitchFamily="34" charset="0"/>
+              <a:buChar char="•"/>
+            </a:pPr>
             <a:r>
               <a:rPr lang="en-US" sz="2400" dirty="0"/>
-              <a:t>Patch automation</a:t>
+              <a:t>Employee WIFI protection</a:t>
             </a:r>
           </a:p>
           <a:p>
+            <a:pPr marL="342900" indent="-342900">
+              <a:buFont typeface="Arial" panose="020B0604020202020204" pitchFamily="34" charset="0"/>
+              <a:buChar char="•"/>
+            </a:pPr>
             <a:r>
               <a:rPr lang="en-US" sz="2400" dirty="0"/>
-              <a:t>EOL infrastructure remediation plan</a:t>
+              <a:t>Audit of financial controls lacking</a:t>
             </a:r>
           </a:p>
         </p:txBody>
@@ -16401,7 +16467,7 @@
     </p:spTree>
     <p:extLst>
       <p:ext uri="{BB962C8B-B14F-4D97-AF65-F5344CB8AC3E}">
-        <p14:creationId xmlns:p14="http://schemas.microsoft.com/office/powerpoint/2010/main" val="2052733575"/>
+        <p14:creationId xmlns:p14="http://schemas.microsoft.com/office/powerpoint/2010/main" val="2005448221"/>
       </p:ext>
     </p:extLst>
   </p:cSld>
@@ -16433,7 +16499,7 @@
           <p:cNvPr id="2" name="Title 1">
             <a:extLst>
               <a:ext uri="{FF2B5EF4-FFF2-40B4-BE49-F238E27FC236}">
-                <a16:creationId xmlns:a16="http://schemas.microsoft.com/office/drawing/2014/main" id="{61D32DA8-841D-C341-8345-9340D232D6C3}"/>
+                <a16:creationId xmlns:a16="http://schemas.microsoft.com/office/drawing/2014/main" id="{4902C97E-0911-F746-ABF4-DAEA7B50CAF4}"/>
               </a:ext>
             </a:extLst>
           </p:cNvPr>
@@ -16446,56 +16512,91 @@
         </p:nvSpPr>
         <p:spPr/>
         <p:txBody>
-          <a:bodyPr>
-            <a:normAutofit/>
-          </a:bodyPr>
+          <a:bodyPr/>
           <a:lstStyle/>
           <a:p>
             <a:r>
               <a:rPr lang="en-US" dirty="0"/>
-              <a:t>Standardization of Applications</a:t>
+              <a:t>Japan, China, &amp; Hong Kong</a:t>
             </a:r>
           </a:p>
         </p:txBody>
       </p:sp>
       <p:sp>
         <p:nvSpPr>
-          <p:cNvPr id="3" name="Content Placeholder 2">
+          <p:cNvPr id="5" name="TextBox 4">
             <a:extLst>
               <a:ext uri="{FF2B5EF4-FFF2-40B4-BE49-F238E27FC236}">
-                <a16:creationId xmlns:a16="http://schemas.microsoft.com/office/drawing/2014/main" id="{EBD69B11-5B9C-394B-98B5-E293C22B9C47}"/>
+                <a16:creationId xmlns:a16="http://schemas.microsoft.com/office/drawing/2014/main" id="{27C25831-5C84-B64F-82E1-11657CC29554}"/>
               </a:ext>
             </a:extLst>
           </p:cNvPr>
-          <p:cNvSpPr>
-            <a:spLocks noGrp="1"/>
-          </p:cNvSpPr>
-          <p:nvPr>
-            <p:ph idx="1"/>
-          </p:nvPr>
+          <p:cNvSpPr txBox="1"/>
+          <p:nvPr/>
         </p:nvSpPr>
-        <p:spPr/>
+        <p:spPr>
+          <a:xfrm>
+            <a:off x="4933507" y="2274838"/>
+            <a:ext cx="6369861" cy="1569660"/>
+          </a:xfrm>
+          <a:prstGeom prst="rect">
+            <a:avLst/>
+          </a:prstGeom>
+          <a:noFill/>
+        </p:spPr>
         <p:txBody>
-          <a:bodyPr>
-            <a:normAutofit/>
+          <a:bodyPr wrap="square" rtlCol="0">
+            <a:spAutoFit/>
           </a:bodyPr>
           <a:lstStyle/>
           <a:p>
+            <a:pPr marL="342900" indent="-342900">
+              <a:buFont typeface="Arial" panose="020B0604020202020204" pitchFamily="34" charset="0"/>
+              <a:buChar char="•"/>
+            </a:pPr>
             <a:r>
               <a:rPr lang="en-US" sz="2400" dirty="0"/>
-              <a:t>SAS solutions all over the board</a:t>
+              <a:t>Political climate </a:t>
             </a:r>
           </a:p>
           <a:p>
+            <a:pPr marL="342900" indent="-342900">
+              <a:buFont typeface="Arial" panose="020B0604020202020204" pitchFamily="34" charset="0"/>
+              <a:buChar char="•"/>
+            </a:pPr>
+            <a:r>
+              <a:rPr lang="en-US" sz="2400" dirty="0" err="1"/>
+              <a:t>Timezone</a:t>
+            </a:r>
             <a:r>
               <a:rPr lang="en-US" sz="2400" dirty="0"/>
-              <a:t>Internally hosted and not part of companies core competencies</a:t>
+              <a:t> &amp; Home Office culture clash</a:t>
             </a:r>
           </a:p>
           <a:p>
+            <a:pPr marL="342900" indent="-342900">
+              <a:buFont typeface="Arial" panose="020B0604020202020204" pitchFamily="34" charset="0"/>
+              <a:buChar char="•"/>
+            </a:pPr>
             <a:r>
               <a:rPr lang="en-US" sz="2400" dirty="0"/>
-              <a:t>Localization has been abused</a:t>
+              <a:t>Localization of </a:t>
+            </a:r>
+            <a:r>
+              <a:rPr lang="en-US" sz="2400" dirty="0" err="1"/>
+              <a:t>Logisuite</a:t>
+            </a:r>
+            <a:r>
+              <a:rPr lang="en-US" sz="2400" dirty="0"/>
+              <a:t>/</a:t>
+            </a:r>
+            <a:r>
+              <a:rPr lang="en-US" sz="2400" dirty="0" err="1"/>
+              <a:t>RouteSim</a:t>
+            </a:r>
+            <a:r>
+              <a:rPr lang="en-US" sz="2400" dirty="0"/>
+              <a:t> upgrades</a:t>
             </a:r>
           </a:p>
         </p:txBody>
@@ -16503,7 +16604,7 @@
     </p:spTree>
     <p:extLst>
       <p:ext uri="{BB962C8B-B14F-4D97-AF65-F5344CB8AC3E}">
-        <p14:creationId xmlns:p14="http://schemas.microsoft.com/office/powerpoint/2010/main" val="4215048047"/>
+        <p14:creationId xmlns:p14="http://schemas.microsoft.com/office/powerpoint/2010/main" val="3824747929"/>
       </p:ext>
     </p:extLst>
   </p:cSld>
@@ -16535,7 +16636,7 @@
           <p:cNvPr id="2" name="Title 1">
             <a:extLst>
               <a:ext uri="{FF2B5EF4-FFF2-40B4-BE49-F238E27FC236}">
-                <a16:creationId xmlns:a16="http://schemas.microsoft.com/office/drawing/2014/main" id="{8E2FD3A4-7AAA-1642-A8D6-CEF927FB8F50}"/>
+                <a16:creationId xmlns:a16="http://schemas.microsoft.com/office/drawing/2014/main" id="{F41AB03E-EE8F-D64D-9CA4-D30E10EB95B7}"/>
               </a:ext>
             </a:extLst>
           </p:cNvPr>
@@ -16548,24 +16649,22 @@
         </p:nvSpPr>
         <p:spPr/>
         <p:txBody>
-          <a:bodyPr>
-            <a:normAutofit/>
-          </a:bodyPr>
+          <a:bodyPr/>
           <a:lstStyle/>
           <a:p>
             <a:r>
               <a:rPr lang="en-US" dirty="0"/>
-              <a:t>Standardization of Infrastructure</a:t>
+              <a:t>Areas of Focus and Recommendations</a:t>
             </a:r>
           </a:p>
         </p:txBody>
       </p:sp>
       <p:sp>
         <p:nvSpPr>
-          <p:cNvPr id="3" name="Content Placeholder 2">
+          <p:cNvPr id="3" name="Text Placeholder 2">
             <a:extLst>
               <a:ext uri="{FF2B5EF4-FFF2-40B4-BE49-F238E27FC236}">
-                <a16:creationId xmlns:a16="http://schemas.microsoft.com/office/drawing/2014/main" id="{1A41A496-5EF3-1740-91E7-59928A3013D2}"/>
+                <a16:creationId xmlns:a16="http://schemas.microsoft.com/office/drawing/2014/main" id="{776EC9E8-49AF-DC4A-8D10-3417DCF78C78}"/>
               </a:ext>
             </a:extLst>
           </p:cNvPr>
@@ -16573,7 +16672,7 @@
             <a:spLocks noGrp="1"/>
           </p:cNvSpPr>
           <p:nvPr>
-            <p:ph idx="1"/>
+            <p:ph type="body" idx="1"/>
           </p:nvPr>
         </p:nvSpPr>
         <p:spPr/>
@@ -16581,30 +16680,14 @@
           <a:bodyPr/>
           <a:lstStyle/>
           <a:p>
-            <a:r>
-              <a:rPr lang="en-US" sz="2400" dirty="0"/>
-              <a:t>Physical hardware vs Cloud Strategy</a:t>
-            </a:r>
-          </a:p>
-          <a:p>
-            <a:r>
-              <a:rPr lang="en-US" sz="2400" dirty="0"/>
-              <a:t>Developer/Desktop builds and support</a:t>
-            </a:r>
-          </a:p>
-          <a:p>
-            <a:r>
-              <a:rPr lang="en-US" sz="2400" dirty="0"/>
-              <a:t>BYOD policy</a:t>
-            </a:r>
-            <a:endParaRPr lang="en-US" dirty="0"/>
+            <a:endParaRPr lang="en-US"/>
           </a:p>
         </p:txBody>
       </p:sp>
     </p:spTree>
     <p:extLst>
       <p:ext uri="{BB962C8B-B14F-4D97-AF65-F5344CB8AC3E}">
-        <p14:creationId xmlns:p14="http://schemas.microsoft.com/office/powerpoint/2010/main" val="2874524848"/>
+        <p14:creationId xmlns:p14="http://schemas.microsoft.com/office/powerpoint/2010/main" val="2606903314"/>
       </p:ext>
     </p:extLst>
   </p:cSld>
@@ -16649,14 +16732,12 @@
         </p:nvSpPr>
         <p:spPr/>
         <p:txBody>
-          <a:bodyPr>
-            <a:normAutofit/>
-          </a:bodyPr>
+          <a:bodyPr/>
           <a:lstStyle/>
           <a:p>
             <a:r>
               <a:rPr lang="en-US" dirty="0"/>
-              <a:t>Integration and Automation of Core Business</a:t>
+              <a:t>Security Tech Debt</a:t>
             </a:r>
           </a:p>
         </p:txBody>
@@ -16686,31 +16767,25 @@
           <a:p>
             <a:r>
               <a:rPr lang="en-US" sz="2400" dirty="0"/>
-              <a:t>Core functionality not enumerated or protected</a:t>
+              <a:t>CMDB for inventory.</a:t>
             </a:r>
           </a:p>
           <a:p>
-            <a:r>
-              <a:rPr lang="en-US" sz="2400" dirty="0" err="1"/>
-              <a:t>Logisuite</a:t>
-            </a:r>
             <a:r>
               <a:rPr lang="en-US" sz="2400" dirty="0"/>
-              <a:t> and </a:t>
+              <a:t>Patch automation.</a:t>
             </a:r>
-            <a:r>
-              <a:rPr lang="en-US" sz="2400" dirty="0" err="1"/>
-              <a:t>RouteSim</a:t>
-            </a:r>
+          </a:p>
+          <a:p>
             <a:r>
               <a:rPr lang="en-US" sz="2400" dirty="0"/>
-              <a:t> disconnected and out of date</a:t>
+              <a:t>EOL infrastructure remediation plan.</a:t>
             </a:r>
           </a:p>
           <a:p>
             <a:r>
               <a:rPr lang="en-US" sz="2400" dirty="0"/>
-              <a:t>Business Continuity due to disaster is unlikely</a:t>
+              <a:t>Pacific Rim sites autonomy needs have to be defined. </a:t>
             </a:r>
           </a:p>
         </p:txBody>
@@ -16718,7 +16793,7 @@
     </p:spTree>
     <p:extLst>
       <p:ext uri="{BB962C8B-B14F-4D97-AF65-F5344CB8AC3E}">
-        <p14:creationId xmlns:p14="http://schemas.microsoft.com/office/powerpoint/2010/main" val="127571081"/>
+        <p14:creationId xmlns:p14="http://schemas.microsoft.com/office/powerpoint/2010/main" val="2052733575"/>
       </p:ext>
     </p:extLst>
   </p:cSld>
@@ -16770,7 +16845,7 @@
           <a:p>
             <a:r>
               <a:rPr lang="en-US" dirty="0"/>
-              <a:t>Communication -  Capacity and Growth</a:t>
+              <a:t>Standardization of Applications</a:t>
             </a:r>
           </a:p>
         </p:txBody>
@@ -16800,13 +16875,27 @@
           <a:p>
             <a:r>
               <a:rPr lang="en-US" sz="2400" dirty="0"/>
-              <a:t>PBX/WAN modernization</a:t>
+              <a:t>SAS solutions all over the board</a:t>
             </a:r>
           </a:p>
           <a:p>
             <a:r>
               <a:rPr lang="en-US" sz="2400" dirty="0"/>
-              <a:t>Collaboration tools</a:t>
+              <a:t>Internally hosted and not part of company's core competencies</a:t>
+            </a:r>
+          </a:p>
+          <a:p>
+            <a:r>
+              <a:rPr lang="en-US" sz="2400" dirty="0"/>
+              <a:t>Localization for Asian language character sets will require focus.  (Unicode vs </a:t>
+            </a:r>
+            <a:r>
+              <a:rPr lang="en-US" sz="2400" dirty="0" err="1"/>
+              <a:t>DoubleByte</a:t>
+            </a:r>
+            <a:r>
+              <a:rPr lang="en-US" sz="2400" dirty="0"/>
+              <a:t> character encoding)</a:t>
             </a:r>
           </a:p>
         </p:txBody>
@@ -16814,7 +16903,7 @@
     </p:spTree>
     <p:extLst>
       <p:ext uri="{BB962C8B-B14F-4D97-AF65-F5344CB8AC3E}">
-        <p14:creationId xmlns:p14="http://schemas.microsoft.com/office/powerpoint/2010/main" val="1044290334"/>
+        <p14:creationId xmlns:p14="http://schemas.microsoft.com/office/powerpoint/2010/main" val="4215048047"/>
       </p:ext>
     </p:extLst>
   </p:cSld>
@@ -16846,7 +16935,7 @@
           <p:cNvPr id="2" name="Title 1">
             <a:extLst>
               <a:ext uri="{FF2B5EF4-FFF2-40B4-BE49-F238E27FC236}">
-                <a16:creationId xmlns:a16="http://schemas.microsoft.com/office/drawing/2014/main" id="{61D32DA8-841D-C341-8345-9340D232D6C3}"/>
+                <a16:creationId xmlns:a16="http://schemas.microsoft.com/office/drawing/2014/main" id="{8E2FD3A4-7AAA-1642-A8D6-CEF927FB8F50}"/>
               </a:ext>
             </a:extLst>
           </p:cNvPr>
@@ -16866,7 +16955,7 @@
           <a:p>
             <a:r>
               <a:rPr lang="en-US" dirty="0"/>
-              <a:t>Internal Controls and Audits</a:t>
+              <a:t>Standardization of Infrastructure</a:t>
             </a:r>
           </a:p>
         </p:txBody>
@@ -16876,7 +16965,7 @@
           <p:cNvPr id="3" name="Content Placeholder 2">
             <a:extLst>
               <a:ext uri="{FF2B5EF4-FFF2-40B4-BE49-F238E27FC236}">
-                <a16:creationId xmlns:a16="http://schemas.microsoft.com/office/drawing/2014/main" id="{EBD69B11-5B9C-394B-98B5-E293C22B9C47}"/>
+                <a16:creationId xmlns:a16="http://schemas.microsoft.com/office/drawing/2014/main" id="{1A41A496-5EF3-1740-91E7-59928A3013D2}"/>
               </a:ext>
             </a:extLst>
           </p:cNvPr>
@@ -16889,28 +16978,33 @@
         </p:nvSpPr>
         <p:spPr/>
         <p:txBody>
-          <a:bodyPr>
-            <a:normAutofit/>
-          </a:bodyPr>
+          <a:bodyPr/>
           <a:lstStyle/>
           <a:p>
             <a:r>
               <a:rPr lang="en-US" sz="2400" dirty="0"/>
-              <a:t>Financial Audit</a:t>
+              <a:t>Physical hardware vs Cloud Strategy</a:t>
             </a:r>
           </a:p>
           <a:p>
             <a:r>
               <a:rPr lang="en-US" sz="2400" dirty="0"/>
-              <a:t>Separation of Roles and Responsibilities </a:t>
+              <a:t>Developer/Desktop builds and support</a:t>
             </a:r>
+          </a:p>
+          <a:p>
+            <a:r>
+              <a:rPr lang="en-US" sz="2400" dirty="0"/>
+              <a:t>BYOD policy</a:t>
+            </a:r>
+            <a:endParaRPr lang="en-US" dirty="0"/>
           </a:p>
         </p:txBody>
       </p:sp>
     </p:spTree>
     <p:extLst>
       <p:ext uri="{BB962C8B-B14F-4D97-AF65-F5344CB8AC3E}">
-        <p14:creationId xmlns:p14="http://schemas.microsoft.com/office/powerpoint/2010/main" val="2380531422"/>
+        <p14:creationId xmlns:p14="http://schemas.microsoft.com/office/powerpoint/2010/main" val="2874524848"/>
       </p:ext>
     </p:extLst>
   </p:cSld>
@@ -16942,7 +17036,7 @@
           <p:cNvPr id="2" name="Title 1">
             <a:extLst>
               <a:ext uri="{FF2B5EF4-FFF2-40B4-BE49-F238E27FC236}">
-                <a16:creationId xmlns:a16="http://schemas.microsoft.com/office/drawing/2014/main" id="{F41AB03E-EE8F-D64D-9CA4-D30E10EB95B7}"/>
+                <a16:creationId xmlns:a16="http://schemas.microsoft.com/office/drawing/2014/main" id="{61D32DA8-841D-C341-8345-9340D232D6C3}"/>
               </a:ext>
             </a:extLst>
           </p:cNvPr>
@@ -16955,22 +17049,24 @@
         </p:nvSpPr>
         <p:spPr/>
         <p:txBody>
-          <a:bodyPr/>
+          <a:bodyPr>
+            <a:normAutofit/>
+          </a:bodyPr>
           <a:lstStyle/>
           <a:p>
             <a:r>
               <a:rPr lang="en-US" dirty="0"/>
-              <a:t>Implementation and Timeline</a:t>
+              <a:t>Integration and Automation of Core Business</a:t>
             </a:r>
           </a:p>
         </p:txBody>
       </p:sp>
       <p:sp>
         <p:nvSpPr>
-          <p:cNvPr id="3" name="Text Placeholder 2">
+          <p:cNvPr id="3" name="Content Placeholder 2">
             <a:extLst>
               <a:ext uri="{FF2B5EF4-FFF2-40B4-BE49-F238E27FC236}">
-                <a16:creationId xmlns:a16="http://schemas.microsoft.com/office/drawing/2014/main" id="{776EC9E8-49AF-DC4A-8D10-3417DCF78C78}"/>
+                <a16:creationId xmlns:a16="http://schemas.microsoft.com/office/drawing/2014/main" id="{EBD69B11-5B9C-394B-98B5-E293C22B9C47}"/>
               </a:ext>
             </a:extLst>
           </p:cNvPr>
@@ -16978,22 +17074,51 @@
             <a:spLocks noGrp="1"/>
           </p:cNvSpPr>
           <p:nvPr>
-            <p:ph type="body" idx="1"/>
+            <p:ph idx="1"/>
           </p:nvPr>
         </p:nvSpPr>
         <p:spPr/>
         <p:txBody>
-          <a:bodyPr/>
+          <a:bodyPr>
+            <a:normAutofit/>
+          </a:bodyPr>
           <a:lstStyle/>
           <a:p>
-            <a:endParaRPr lang="en-US"/>
+            <a:r>
+              <a:rPr lang="en-US" sz="2400" dirty="0"/>
+              <a:t>Core functionality not enumerated or protected</a:t>
+            </a:r>
+          </a:p>
+          <a:p>
+            <a:r>
+              <a:rPr lang="en-US" sz="2400" dirty="0" err="1"/>
+              <a:t>Logisuite</a:t>
+            </a:r>
+            <a:r>
+              <a:rPr lang="en-US" sz="2400" dirty="0"/>
+              <a:t> and </a:t>
+            </a:r>
+            <a:r>
+              <a:rPr lang="en-US" sz="2400" dirty="0" err="1"/>
+              <a:t>RouteSim</a:t>
+            </a:r>
+            <a:r>
+              <a:rPr lang="en-US" sz="2400" dirty="0"/>
+              <a:t> disconnected and out of date</a:t>
+            </a:r>
+          </a:p>
+          <a:p>
+            <a:r>
+              <a:rPr lang="en-US" sz="2400" dirty="0"/>
+              <a:t>Business Continuity due to disaster is unlikely</a:t>
+            </a:r>
           </a:p>
         </p:txBody>
       </p:sp>
     </p:spTree>
     <p:extLst>
       <p:ext uri="{BB962C8B-B14F-4D97-AF65-F5344CB8AC3E}">
-        <p14:creationId xmlns:p14="http://schemas.microsoft.com/office/powerpoint/2010/main" val="4247452989"/>
+        <p14:creationId xmlns:p14="http://schemas.microsoft.com/office/powerpoint/2010/main" val="127571081"/>
       </p:ext>
     </p:extLst>
   </p:cSld>
@@ -17128,7 +17253,7 @@
           <a:p>
             <a:r>
               <a:rPr lang="en-US" dirty="0"/>
-              <a:t>Initial Focus - Sydney</a:t>
+              <a:t>Communication -  Capacity and Growth</a:t>
             </a:r>
           </a:p>
         </p:txBody>
@@ -17158,36 +17283,27 @@
           <a:p>
             <a:r>
               <a:rPr lang="en-US" sz="2400" dirty="0"/>
-              <a:t>First modernization to be done on Sydney Office.  </a:t>
+              <a:t>PBX/WAN modernization</a:t>
             </a:r>
           </a:p>
           <a:p>
             <a:r>
               <a:rPr lang="en-US" sz="2400" dirty="0"/>
-              <a:t>Long term plan in region</a:t>
+              <a:t>Effort to standardize collaboration tools primarily intra-site and secondly globally</a:t>
             </a:r>
           </a:p>
           <a:p>
             <a:r>
               <a:rPr lang="en-US" sz="2400" dirty="0"/>
-              <a:t>Small enough to allow for best practices to emerge</a:t>
+              <a:t>Additional on-premise compute capacity allocated for underserved cloud regions.  (Africa/Australia)</a:t>
             </a:r>
-          </a:p>
-          <a:p>
-            <a:r>
-              <a:rPr lang="en-US" sz="2400" dirty="0"/>
-              <a:t>Time zone difference allows for communications during workday overlap as well as minimally impacting off hour installs.</a:t>
-            </a:r>
-          </a:p>
-          <a:p>
-            <a:endParaRPr lang="en-US" sz="2400" dirty="0"/>
           </a:p>
         </p:txBody>
       </p:sp>
     </p:spTree>
     <p:extLst>
       <p:ext uri="{BB962C8B-B14F-4D97-AF65-F5344CB8AC3E}">
-        <p14:creationId xmlns:p14="http://schemas.microsoft.com/office/powerpoint/2010/main" val="3452456416"/>
+        <p14:creationId xmlns:p14="http://schemas.microsoft.com/office/powerpoint/2010/main" val="1044290334"/>
       </p:ext>
     </p:extLst>
   </p:cSld>
@@ -17239,7 +17355,197 @@
           <a:p>
             <a:r>
               <a:rPr lang="en-US" dirty="0"/>
-              <a:t>Global Dissemination</a:t>
+              <a:t>Internal Controls and Audits</a:t>
+            </a:r>
+          </a:p>
+        </p:txBody>
+      </p:sp>
+      <p:sp>
+        <p:nvSpPr>
+          <p:cNvPr id="3" name="Content Placeholder 2">
+            <a:extLst>
+              <a:ext uri="{FF2B5EF4-FFF2-40B4-BE49-F238E27FC236}">
+                <a16:creationId xmlns:a16="http://schemas.microsoft.com/office/drawing/2014/main" id="{EBD69B11-5B9C-394B-98B5-E293C22B9C47}"/>
+              </a:ext>
+            </a:extLst>
+          </p:cNvPr>
+          <p:cNvSpPr>
+            <a:spLocks noGrp="1"/>
+          </p:cNvSpPr>
+          <p:nvPr>
+            <p:ph idx="1"/>
+          </p:nvPr>
+        </p:nvSpPr>
+        <p:spPr>
+          <a:xfrm>
+            <a:off x="5021496" y="953835"/>
+            <a:ext cx="6281873" cy="5248622"/>
+          </a:xfrm>
+        </p:spPr>
+        <p:txBody>
+          <a:bodyPr>
+            <a:normAutofit/>
+          </a:bodyPr>
+          <a:lstStyle/>
+          <a:p>
+            <a:r>
+              <a:rPr lang="en-US" sz="2400" dirty="0"/>
+              <a:t>Financial audit process reviewed and strengthened</a:t>
+            </a:r>
+          </a:p>
+          <a:p>
+            <a:r>
+              <a:rPr lang="en-US" sz="2400" dirty="0"/>
+              <a:t>Separation of roles and responsibilities</a:t>
+            </a:r>
+          </a:p>
+          <a:p>
+            <a:r>
+              <a:rPr lang="en-US" sz="2400" dirty="0"/>
+              <a:t>Update of employee policies to create ethical concern escalation process</a:t>
+            </a:r>
+          </a:p>
+        </p:txBody>
+      </p:sp>
+    </p:spTree>
+    <p:extLst>
+      <p:ext uri="{BB962C8B-B14F-4D97-AF65-F5344CB8AC3E}">
+        <p14:creationId xmlns:p14="http://schemas.microsoft.com/office/powerpoint/2010/main" val="2380531422"/>
+      </p:ext>
+    </p:extLst>
+  </p:cSld>
+  <p:clrMapOvr>
+    <a:masterClrMapping/>
+  </p:clrMapOvr>
+</p:sld>
+</file>
+
+<file path=ppt/slides/slide22.xml><?xml version="1.0" encoding="utf-8"?>
+<p:sld xmlns:a="http://schemas.openxmlformats.org/drawingml/2006/main" xmlns:r="http://schemas.openxmlformats.org/officeDocument/2006/relationships" xmlns:p="http://schemas.openxmlformats.org/presentationml/2006/main">
+  <p:cSld>
+    <p:spTree>
+      <p:nvGrpSpPr>
+        <p:cNvPr id="1" name=""/>
+        <p:cNvGrpSpPr/>
+        <p:nvPr/>
+      </p:nvGrpSpPr>
+      <p:grpSpPr>
+        <a:xfrm>
+          <a:off x="0" y="0"/>
+          <a:ext cx="0" cy="0"/>
+          <a:chOff x="0" y="0"/>
+          <a:chExt cx="0" cy="0"/>
+        </a:xfrm>
+      </p:grpSpPr>
+      <p:sp>
+        <p:nvSpPr>
+          <p:cNvPr id="2" name="Title 1">
+            <a:extLst>
+              <a:ext uri="{FF2B5EF4-FFF2-40B4-BE49-F238E27FC236}">
+                <a16:creationId xmlns:a16="http://schemas.microsoft.com/office/drawing/2014/main" id="{F41AB03E-EE8F-D64D-9CA4-D30E10EB95B7}"/>
+              </a:ext>
+            </a:extLst>
+          </p:cNvPr>
+          <p:cNvSpPr>
+            <a:spLocks noGrp="1"/>
+          </p:cNvSpPr>
+          <p:nvPr>
+            <p:ph type="title"/>
+          </p:nvPr>
+        </p:nvSpPr>
+        <p:spPr/>
+        <p:txBody>
+          <a:bodyPr/>
+          <a:lstStyle/>
+          <a:p>
+            <a:r>
+              <a:rPr lang="en-US" dirty="0"/>
+              <a:t>Implementation and Timeline</a:t>
+            </a:r>
+          </a:p>
+        </p:txBody>
+      </p:sp>
+      <p:sp>
+        <p:nvSpPr>
+          <p:cNvPr id="3" name="Text Placeholder 2">
+            <a:extLst>
+              <a:ext uri="{FF2B5EF4-FFF2-40B4-BE49-F238E27FC236}">
+                <a16:creationId xmlns:a16="http://schemas.microsoft.com/office/drawing/2014/main" id="{776EC9E8-49AF-DC4A-8D10-3417DCF78C78}"/>
+              </a:ext>
+            </a:extLst>
+          </p:cNvPr>
+          <p:cNvSpPr>
+            <a:spLocks noGrp="1"/>
+          </p:cNvSpPr>
+          <p:nvPr>
+            <p:ph type="body" idx="1"/>
+          </p:nvPr>
+        </p:nvSpPr>
+        <p:spPr/>
+        <p:txBody>
+          <a:bodyPr/>
+          <a:lstStyle/>
+          <a:p>
+            <a:endParaRPr lang="en-US"/>
+          </a:p>
+        </p:txBody>
+      </p:sp>
+    </p:spTree>
+    <p:extLst>
+      <p:ext uri="{BB962C8B-B14F-4D97-AF65-F5344CB8AC3E}">
+        <p14:creationId xmlns:p14="http://schemas.microsoft.com/office/powerpoint/2010/main" val="4247452989"/>
+      </p:ext>
+    </p:extLst>
+  </p:cSld>
+  <p:clrMapOvr>
+    <a:masterClrMapping/>
+  </p:clrMapOvr>
+</p:sld>
+</file>
+
+<file path=ppt/slides/slide23.xml><?xml version="1.0" encoding="utf-8"?>
+<p:sld xmlns:a="http://schemas.openxmlformats.org/drawingml/2006/main" xmlns:r="http://schemas.openxmlformats.org/officeDocument/2006/relationships" xmlns:p="http://schemas.openxmlformats.org/presentationml/2006/main">
+  <p:cSld>
+    <p:spTree>
+      <p:nvGrpSpPr>
+        <p:cNvPr id="1" name=""/>
+        <p:cNvGrpSpPr/>
+        <p:nvPr/>
+      </p:nvGrpSpPr>
+      <p:grpSpPr>
+        <a:xfrm>
+          <a:off x="0" y="0"/>
+          <a:ext cx="0" cy="0"/>
+          <a:chOff x="0" y="0"/>
+          <a:chExt cx="0" cy="0"/>
+        </a:xfrm>
+      </p:grpSpPr>
+      <p:sp>
+        <p:nvSpPr>
+          <p:cNvPr id="2" name="Title 1">
+            <a:extLst>
+              <a:ext uri="{FF2B5EF4-FFF2-40B4-BE49-F238E27FC236}">
+                <a16:creationId xmlns:a16="http://schemas.microsoft.com/office/drawing/2014/main" id="{61D32DA8-841D-C341-8345-9340D232D6C3}"/>
+              </a:ext>
+            </a:extLst>
+          </p:cNvPr>
+          <p:cNvSpPr>
+            <a:spLocks noGrp="1"/>
+          </p:cNvSpPr>
+          <p:nvPr>
+            <p:ph type="title"/>
+          </p:nvPr>
+        </p:nvSpPr>
+        <p:spPr/>
+        <p:txBody>
+          <a:bodyPr>
+            <a:normAutofit/>
+          </a:bodyPr>
+          <a:lstStyle/>
+          <a:p>
+            <a:r>
+              <a:rPr lang="en-US" dirty="0"/>
+              <a:t>Initial Focus - Sydney</a:t>
             </a:r>
           </a:p>
         </p:txBody>
@@ -17269,6 +17575,117 @@
           <a:p>
             <a:r>
               <a:rPr lang="en-US" sz="2400" dirty="0"/>
+              <a:t>First modernization to be done on Sydney Office.  </a:t>
+            </a:r>
+          </a:p>
+          <a:p>
+            <a:r>
+              <a:rPr lang="en-US" sz="2400" dirty="0"/>
+              <a:t>Long term plan in region due to wildfires.</a:t>
+            </a:r>
+          </a:p>
+          <a:p>
+            <a:r>
+              <a:rPr lang="en-US" sz="2400" dirty="0"/>
+              <a:t>Small enough to allow for best practices to emerge.</a:t>
+            </a:r>
+          </a:p>
+          <a:p>
+            <a:r>
+              <a:rPr lang="en-US" sz="2400" dirty="0"/>
+              <a:t>Time zone difference allows for communications during workday overlap as well as minimally impacting off hour installs.</a:t>
+            </a:r>
+          </a:p>
+          <a:p>
+            <a:endParaRPr lang="en-US" sz="2400" dirty="0"/>
+          </a:p>
+        </p:txBody>
+      </p:sp>
+    </p:spTree>
+    <p:extLst>
+      <p:ext uri="{BB962C8B-B14F-4D97-AF65-F5344CB8AC3E}">
+        <p14:creationId xmlns:p14="http://schemas.microsoft.com/office/powerpoint/2010/main" val="3452456416"/>
+      </p:ext>
+    </p:extLst>
+  </p:cSld>
+  <p:clrMapOvr>
+    <a:masterClrMapping/>
+  </p:clrMapOvr>
+</p:sld>
+</file>
+
+<file path=ppt/slides/slide24.xml><?xml version="1.0" encoding="utf-8"?>
+<p:sld xmlns:a="http://schemas.openxmlformats.org/drawingml/2006/main" xmlns:r="http://schemas.openxmlformats.org/officeDocument/2006/relationships" xmlns:p="http://schemas.openxmlformats.org/presentationml/2006/main">
+  <p:cSld>
+    <p:spTree>
+      <p:nvGrpSpPr>
+        <p:cNvPr id="1" name=""/>
+        <p:cNvGrpSpPr/>
+        <p:nvPr/>
+      </p:nvGrpSpPr>
+      <p:grpSpPr>
+        <a:xfrm>
+          <a:off x="0" y="0"/>
+          <a:ext cx="0" cy="0"/>
+          <a:chOff x="0" y="0"/>
+          <a:chExt cx="0" cy="0"/>
+        </a:xfrm>
+      </p:grpSpPr>
+      <p:sp>
+        <p:nvSpPr>
+          <p:cNvPr id="2" name="Title 1">
+            <a:extLst>
+              <a:ext uri="{FF2B5EF4-FFF2-40B4-BE49-F238E27FC236}">
+                <a16:creationId xmlns:a16="http://schemas.microsoft.com/office/drawing/2014/main" id="{61D32DA8-841D-C341-8345-9340D232D6C3}"/>
+              </a:ext>
+            </a:extLst>
+          </p:cNvPr>
+          <p:cNvSpPr>
+            <a:spLocks noGrp="1"/>
+          </p:cNvSpPr>
+          <p:nvPr>
+            <p:ph type="title"/>
+          </p:nvPr>
+        </p:nvSpPr>
+        <p:spPr/>
+        <p:txBody>
+          <a:bodyPr>
+            <a:normAutofit/>
+          </a:bodyPr>
+          <a:lstStyle/>
+          <a:p>
+            <a:r>
+              <a:rPr lang="en-US" dirty="0"/>
+              <a:t>Global Dissemination</a:t>
+            </a:r>
+          </a:p>
+        </p:txBody>
+      </p:sp>
+      <p:sp>
+        <p:nvSpPr>
+          <p:cNvPr id="3" name="Content Placeholder 2">
+            <a:extLst>
+              <a:ext uri="{FF2B5EF4-FFF2-40B4-BE49-F238E27FC236}">
+                <a16:creationId xmlns:a16="http://schemas.microsoft.com/office/drawing/2014/main" id="{EBD69B11-5B9C-394B-98B5-E293C22B9C47}"/>
+              </a:ext>
+            </a:extLst>
+          </p:cNvPr>
+          <p:cNvSpPr>
+            <a:spLocks noGrp="1"/>
+          </p:cNvSpPr>
+          <p:nvPr>
+            <p:ph idx="1"/>
+          </p:nvPr>
+        </p:nvSpPr>
+        <p:spPr/>
+        <p:txBody>
+          <a:bodyPr>
+            <a:normAutofit/>
+          </a:bodyPr>
+          <a:lstStyle/>
+          <a:p>
+            <a:r>
+              <a:rPr lang="en-US" sz="2400" dirty="0"/>
               <a:t>As best practices emerge, spin off multi-month or less initiatives out to other campuses.</a:t>
             </a:r>
           </a:p>
@@ -17281,8 +17698,13 @@
           <a:p>
             <a:r>
               <a:rPr lang="en-US" sz="2400" dirty="0"/>
-              <a:t>Can establish a strategy of international rotations within staff.</a:t>
+              <a:t>Can establish a strategy of international rotations within staff to build the </a:t>
             </a:r>
+            <a:r>
+              <a:rPr lang="en-US" sz="2400"/>
+              <a:t>internal skillset.</a:t>
+            </a:r>
+            <a:endParaRPr lang="en-US" sz="2400" dirty="0"/>
           </a:p>
         </p:txBody>
       </p:sp>
